--- a/MP1/SVG maps/library5th.pptx
+++ b/MP1/SVG maps/library5th.pptx
@@ -107,6 +107,36 @@
       </a:defRPr>
     </a:lvl9pPr>
   </p:defaultTextStyle>
+  <p:extLst>
+    <p:ext uri="{EFAFB233-063F-42B5-8137-9DF3F51BA10A}">
+      <p15:sldGuideLst xmlns:p15="http://schemas.microsoft.com/office/powerpoint/2012/main">
+        <p15:guide id="1" orient="horz" pos="4310">
+          <p15:clr>
+            <a:srgbClr val="A4A3A4"/>
+          </p15:clr>
+        </p15:guide>
+        <p15:guide id="2" pos="13608">
+          <p15:clr>
+            <a:srgbClr val="A4A3A4"/>
+          </p15:clr>
+        </p15:guide>
+      </p15:sldGuideLst>
+    </p:ext>
+    <p:ext uri="{2D200454-40CA-4A62-9FC3-DE9A4176ACB9}">
+      <p15:notesGuideLst xmlns:p15="http://schemas.microsoft.com/office/powerpoint/2012/main">
+        <p15:guide id="1" orient="horz" pos="2880">
+          <p15:clr>
+            <a:srgbClr val="A4A3A4"/>
+          </p15:clr>
+        </p15:guide>
+        <p15:guide id="2" pos="2160">
+          <p15:clr>
+            <a:srgbClr val="A4A3A4"/>
+          </p15:clr>
+        </p15:guide>
+      </p15:notesGuideLst>
+    </p:ext>
+  </p:extLst>
 </p:presentation>
 </file>
 
@@ -13426,232 +13456,6 @@
           </p:txBody>
         </p:sp>
       </p:grpSp>
-      <p:sp>
-        <p:nvSpPr>
-          <p:cNvPr id="4" name="TextBox 3"/>
-          <p:cNvSpPr txBox="1"/>
-          <p:nvPr/>
-        </p:nvSpPr>
-        <p:spPr>
-          <a:xfrm>
-            <a:off x="17930292" y="1007889"/>
-            <a:ext cx="1656184" cy="523220"/>
-          </a:xfrm>
-          <a:prstGeom prst="rect">
-            <a:avLst/>
-          </a:prstGeom>
-          <a:noFill/>
-        </p:spPr>
-        <p:txBody>
-          <a:bodyPr wrap="square" rtlCol="0">
-            <a:spAutoFit/>
-          </a:bodyPr>
-          <a:lstStyle/>
-          <a:p>
-            <a:r>
-              <a:rPr lang="en-PH" sz="2800" dirty="0" smtClean="0"/>
-              <a:t>Entrance</a:t>
-            </a:r>
-            <a:endParaRPr lang="en-PH" sz="2800" dirty="0"/>
-          </a:p>
-        </p:txBody>
-      </p:sp>
-      <p:sp>
-        <p:nvSpPr>
-          <p:cNvPr id="353" name="TextBox 352"/>
-          <p:cNvSpPr txBox="1"/>
-          <p:nvPr/>
-        </p:nvSpPr>
-        <p:spPr>
-          <a:xfrm>
-            <a:off x="23906956" y="1079897"/>
-            <a:ext cx="1656184" cy="523220"/>
-          </a:xfrm>
-          <a:prstGeom prst="rect">
-            <a:avLst/>
-          </a:prstGeom>
-          <a:noFill/>
-        </p:spPr>
-        <p:txBody>
-          <a:bodyPr wrap="square" rtlCol="0">
-            <a:spAutoFit/>
-          </a:bodyPr>
-          <a:lstStyle/>
-          <a:p>
-            <a:r>
-              <a:rPr lang="en-PH" sz="2800" dirty="0" smtClean="0"/>
-              <a:t>Exit</a:t>
-            </a:r>
-            <a:endParaRPr lang="en-PH" sz="2800" dirty="0"/>
-          </a:p>
-        </p:txBody>
-      </p:sp>
-      <p:sp>
-        <p:nvSpPr>
-          <p:cNvPr id="354" name="TextBox 353"/>
-          <p:cNvSpPr txBox="1"/>
-          <p:nvPr/>
-        </p:nvSpPr>
-        <p:spPr>
-          <a:xfrm>
-            <a:off x="20266360" y="2140853"/>
-            <a:ext cx="2344452" cy="523220"/>
-          </a:xfrm>
-          <a:prstGeom prst="rect">
-            <a:avLst/>
-          </a:prstGeom>
-          <a:noFill/>
-        </p:spPr>
-        <p:txBody>
-          <a:bodyPr wrap="square" rtlCol="0">
-            <a:spAutoFit/>
-          </a:bodyPr>
-          <a:lstStyle/>
-          <a:p>
-            <a:r>
-              <a:rPr lang="en-PH" sz="2800" dirty="0" smtClean="0"/>
-              <a:t>Baggage Area</a:t>
-            </a:r>
-            <a:endParaRPr lang="en-PH" sz="2800" dirty="0"/>
-          </a:p>
-        </p:txBody>
-      </p:sp>
-      <p:sp>
-        <p:nvSpPr>
-          <p:cNvPr id="355" name="TextBox 354"/>
-          <p:cNvSpPr txBox="1"/>
-          <p:nvPr/>
-        </p:nvSpPr>
-        <p:spPr>
-          <a:xfrm>
-            <a:off x="18218324" y="5867358"/>
-            <a:ext cx="1656184" cy="523220"/>
-          </a:xfrm>
-          <a:prstGeom prst="rect">
-            <a:avLst/>
-          </a:prstGeom>
-          <a:noFill/>
-        </p:spPr>
-        <p:txBody>
-          <a:bodyPr wrap="square" rtlCol="0">
-            <a:spAutoFit/>
-          </a:bodyPr>
-          <a:lstStyle/>
-          <a:p>
-            <a:r>
-              <a:rPr lang="en-PH" sz="2800" dirty="0" smtClean="0"/>
-              <a:t>Stairs</a:t>
-            </a:r>
-            <a:endParaRPr lang="en-PH" sz="2800" dirty="0"/>
-          </a:p>
-        </p:txBody>
-      </p:sp>
-      <p:sp>
-        <p:nvSpPr>
-          <p:cNvPr id="356" name="TextBox 355"/>
-          <p:cNvSpPr txBox="1"/>
-          <p:nvPr/>
-        </p:nvSpPr>
-        <p:spPr>
-          <a:xfrm>
-            <a:off x="23762940" y="5976441"/>
-            <a:ext cx="1656184" cy="523220"/>
-          </a:xfrm>
-          <a:prstGeom prst="rect">
-            <a:avLst/>
-          </a:prstGeom>
-          <a:noFill/>
-        </p:spPr>
-        <p:txBody>
-          <a:bodyPr wrap="square" rtlCol="0">
-            <a:spAutoFit/>
-          </a:bodyPr>
-          <a:lstStyle/>
-          <a:p>
-            <a:r>
-              <a:rPr lang="en-PH" sz="2800" dirty="0" smtClean="0"/>
-              <a:t>Stairs</a:t>
-            </a:r>
-            <a:endParaRPr lang="en-PH" sz="2800" dirty="0"/>
-          </a:p>
-        </p:txBody>
-      </p:sp>
-      <p:sp>
-        <p:nvSpPr>
-          <p:cNvPr id="357" name="TextBox 356"/>
-          <p:cNvSpPr txBox="1"/>
-          <p:nvPr/>
-        </p:nvSpPr>
-        <p:spPr>
-          <a:xfrm>
-            <a:off x="39964740" y="2619110"/>
-            <a:ext cx="1656184" cy="1384995"/>
-          </a:xfrm>
-          <a:prstGeom prst="rect">
-            <a:avLst/>
-          </a:prstGeom>
-          <a:noFill/>
-        </p:spPr>
-        <p:txBody>
-          <a:bodyPr wrap="square" rtlCol="0">
-            <a:spAutoFit/>
-          </a:bodyPr>
-          <a:lstStyle/>
-          <a:p>
-            <a:pPr algn="ctr"/>
-            <a:r>
-              <a:rPr lang="en-PH" sz="2800" dirty="0" smtClean="0"/>
-              <a:t>Comfort Room</a:t>
-            </a:r>
-          </a:p>
-          <a:p>
-            <a:pPr algn="ctr"/>
-            <a:r>
-              <a:rPr lang="en-PH" sz="2800" dirty="0" smtClean="0"/>
-              <a:t>(Female)</a:t>
-            </a:r>
-            <a:endParaRPr lang="en-PH" sz="2800" dirty="0"/>
-          </a:p>
-        </p:txBody>
-      </p:sp>
-      <p:sp>
-        <p:nvSpPr>
-          <p:cNvPr id="358" name="TextBox 357"/>
-          <p:cNvSpPr txBox="1"/>
-          <p:nvPr/>
-        </p:nvSpPr>
-        <p:spPr>
-          <a:xfrm>
-            <a:off x="1008412" y="2664073"/>
-            <a:ext cx="1656184" cy="1384995"/>
-          </a:xfrm>
-          <a:prstGeom prst="rect">
-            <a:avLst/>
-          </a:prstGeom>
-          <a:noFill/>
-        </p:spPr>
-        <p:txBody>
-          <a:bodyPr wrap="square" rtlCol="0">
-            <a:spAutoFit/>
-          </a:bodyPr>
-          <a:lstStyle/>
-          <a:p>
-            <a:pPr algn="ctr"/>
-            <a:r>
-              <a:rPr lang="en-PH" sz="2800" dirty="0" smtClean="0"/>
-              <a:t>Comfort Room</a:t>
-            </a:r>
-          </a:p>
-          <a:p>
-            <a:pPr algn="ctr"/>
-            <a:r>
-              <a:rPr lang="en-PH" sz="2800" dirty="0" smtClean="0"/>
-              <a:t>(Male)</a:t>
-            </a:r>
-            <a:endParaRPr lang="en-PH" sz="2800" dirty="0"/>
-          </a:p>
-        </p:txBody>
-      </p:sp>
       <p:cxnSp>
         <p:nvCxnSpPr>
           <p:cNvPr id="6" name="Straight Connector 5"/>
@@ -13831,1084 +13635,6 @@
           <a:p>
             <a:pPr algn="ctr"/>
             <a:endParaRPr lang="en-PH"/>
-          </a:p>
-        </p:txBody>
-      </p:sp>
-      <p:sp>
-        <p:nvSpPr>
-          <p:cNvPr id="216" name="TextBox 215"/>
-          <p:cNvSpPr txBox="1"/>
-          <p:nvPr/>
-        </p:nvSpPr>
-        <p:spPr>
-          <a:xfrm rot="16200000">
-            <a:off x="2134119" y="9891295"/>
-            <a:ext cx="2880320" cy="523220"/>
-          </a:xfrm>
-          <a:prstGeom prst="rect">
-            <a:avLst/>
-          </a:prstGeom>
-          <a:noFill/>
-        </p:spPr>
-        <p:txBody>
-          <a:bodyPr wrap="square" rtlCol="0">
-            <a:spAutoFit/>
-          </a:bodyPr>
-          <a:lstStyle/>
-          <a:p>
-            <a:r>
-              <a:rPr lang="en-PH" sz="2800" b="1" dirty="0" err="1" smtClean="0"/>
-              <a:t>Altar,Gift&amp;Gospel</a:t>
-            </a:r>
-            <a:endParaRPr lang="en-PH" sz="2800" b="1" dirty="0"/>
-          </a:p>
-        </p:txBody>
-      </p:sp>
-      <p:sp>
-        <p:nvSpPr>
-          <p:cNvPr id="254" name="TextBox 253"/>
-          <p:cNvSpPr txBox="1"/>
-          <p:nvPr/>
-        </p:nvSpPr>
-        <p:spPr>
-          <a:xfrm rot="16200000">
-            <a:off x="2129927" y="9895486"/>
-            <a:ext cx="3464767" cy="523220"/>
-          </a:xfrm>
-          <a:prstGeom prst="rect">
-            <a:avLst/>
-          </a:prstGeom>
-          <a:noFill/>
-        </p:spPr>
-        <p:txBody>
-          <a:bodyPr wrap="square" rtlCol="0">
-            <a:spAutoFit/>
-          </a:bodyPr>
-          <a:lstStyle/>
-          <a:p>
-            <a:r>
-              <a:rPr lang="en-PH" sz="2800" b="1" dirty="0" err="1" smtClean="0"/>
-              <a:t>Religion&amp;Nationalism</a:t>
-            </a:r>
-            <a:endParaRPr lang="en-PH" sz="2800" b="1" dirty="0" smtClean="0"/>
-          </a:p>
-        </p:txBody>
-      </p:sp>
-      <p:sp>
-        <p:nvSpPr>
-          <p:cNvPr id="283" name="TextBox 282"/>
-          <p:cNvSpPr txBox="1"/>
-          <p:nvPr/>
-        </p:nvSpPr>
-        <p:spPr>
-          <a:xfrm rot="16200000">
-            <a:off x="3449976" y="10231622"/>
-            <a:ext cx="1976798" cy="523220"/>
-          </a:xfrm>
-          <a:prstGeom prst="rect">
-            <a:avLst/>
-          </a:prstGeom>
-          <a:noFill/>
-        </p:spPr>
-        <p:txBody>
-          <a:bodyPr wrap="square" rtlCol="0">
-            <a:spAutoFit/>
-          </a:bodyPr>
-          <a:lstStyle/>
-          <a:p>
-            <a:r>
-              <a:rPr lang="en-PH" sz="2800" b="1" dirty="0" smtClean="0"/>
-              <a:t>Christianity</a:t>
-            </a:r>
-            <a:endParaRPr lang="en-PH" sz="2800" b="1" dirty="0"/>
-          </a:p>
-        </p:txBody>
-      </p:sp>
-      <p:sp>
-        <p:nvSpPr>
-          <p:cNvPr id="284" name="TextBox 283"/>
-          <p:cNvSpPr txBox="1"/>
-          <p:nvPr/>
-        </p:nvSpPr>
-        <p:spPr>
-          <a:xfrm rot="16200000">
-            <a:off x="3225401" y="10148999"/>
-            <a:ext cx="3107698" cy="523220"/>
-          </a:xfrm>
-          <a:prstGeom prst="rect">
-            <a:avLst/>
-          </a:prstGeom>
-          <a:noFill/>
-        </p:spPr>
-        <p:txBody>
-          <a:bodyPr wrap="square" rtlCol="0">
-            <a:spAutoFit/>
-          </a:bodyPr>
-          <a:lstStyle/>
-          <a:p>
-            <a:r>
-              <a:rPr lang="en-PH" sz="2800" b="1" dirty="0" err="1" smtClean="0"/>
-              <a:t>Phil.Church</a:t>
-            </a:r>
-            <a:r>
-              <a:rPr lang="en-PH" sz="2800" b="1" dirty="0" smtClean="0"/>
-              <a:t> History</a:t>
-            </a:r>
-            <a:endParaRPr lang="en-PH" sz="2800" b="1" dirty="0"/>
-          </a:p>
-        </p:txBody>
-      </p:sp>
-      <p:sp>
-        <p:nvSpPr>
-          <p:cNvPr id="285" name="TextBox 284"/>
-          <p:cNvSpPr txBox="1"/>
-          <p:nvPr/>
-        </p:nvSpPr>
-        <p:spPr>
-          <a:xfrm rot="16200000">
-            <a:off x="4366366" y="10251335"/>
-            <a:ext cx="2160240" cy="523220"/>
-          </a:xfrm>
-          <a:prstGeom prst="rect">
-            <a:avLst/>
-          </a:prstGeom>
-          <a:noFill/>
-        </p:spPr>
-        <p:txBody>
-          <a:bodyPr wrap="square" rtlCol="0">
-            <a:spAutoFit/>
-          </a:bodyPr>
-          <a:lstStyle/>
-          <a:p>
-            <a:r>
-              <a:rPr lang="en-PH" sz="2800" b="1" dirty="0" smtClean="0"/>
-              <a:t>Catholicism</a:t>
-            </a:r>
-            <a:endParaRPr lang="en-PH" sz="2800" b="1" dirty="0"/>
-          </a:p>
-        </p:txBody>
-      </p:sp>
-      <p:sp>
-        <p:nvSpPr>
-          <p:cNvPr id="286" name="TextBox 285"/>
-          <p:cNvSpPr txBox="1"/>
-          <p:nvPr/>
-        </p:nvSpPr>
-        <p:spPr>
-          <a:xfrm rot="16200000">
-            <a:off x="4419209" y="10107319"/>
-            <a:ext cx="2592289" cy="523220"/>
-          </a:xfrm>
-          <a:prstGeom prst="rect">
-            <a:avLst/>
-          </a:prstGeom>
-          <a:noFill/>
-        </p:spPr>
-        <p:txBody>
-          <a:bodyPr wrap="square" rtlCol="0">
-            <a:spAutoFit/>
-          </a:bodyPr>
-          <a:lstStyle/>
-          <a:p>
-            <a:r>
-              <a:rPr lang="en-PH" sz="2800" b="1" dirty="0" smtClean="0"/>
-              <a:t>Social Research</a:t>
-            </a:r>
-            <a:endParaRPr lang="en-PH" sz="2800" b="1" dirty="0"/>
-          </a:p>
-        </p:txBody>
-      </p:sp>
-      <p:sp>
-        <p:nvSpPr>
-          <p:cNvPr id="287" name="TextBox 286"/>
-          <p:cNvSpPr txBox="1"/>
-          <p:nvPr/>
-        </p:nvSpPr>
-        <p:spPr>
-          <a:xfrm rot="16200000">
-            <a:off x="5158454" y="9963302"/>
-            <a:ext cx="2592289" cy="523220"/>
-          </a:xfrm>
-          <a:prstGeom prst="rect">
-            <a:avLst/>
-          </a:prstGeom>
-          <a:noFill/>
-        </p:spPr>
-        <p:txBody>
-          <a:bodyPr wrap="square" rtlCol="0">
-            <a:spAutoFit/>
-          </a:bodyPr>
-          <a:lstStyle/>
-          <a:p>
-            <a:r>
-              <a:rPr lang="en-PH" sz="2800" b="1" dirty="0" smtClean="0"/>
-              <a:t>Social Sciences</a:t>
-            </a:r>
-            <a:endParaRPr lang="en-PH" sz="2800" b="1" dirty="0"/>
-          </a:p>
-        </p:txBody>
-      </p:sp>
-      <p:sp>
-        <p:nvSpPr>
-          <p:cNvPr id="298" name="TextBox 297"/>
-          <p:cNvSpPr txBox="1"/>
-          <p:nvPr/>
-        </p:nvSpPr>
-        <p:spPr>
-          <a:xfrm rot="16200000">
-            <a:off x="6111398" y="10071315"/>
-            <a:ext cx="2376265" cy="523220"/>
-          </a:xfrm>
-          <a:prstGeom prst="rect">
-            <a:avLst/>
-          </a:prstGeom>
-          <a:noFill/>
-        </p:spPr>
-        <p:txBody>
-          <a:bodyPr wrap="square" rtlCol="0">
-            <a:spAutoFit/>
-          </a:bodyPr>
-          <a:lstStyle/>
-          <a:p>
-            <a:r>
-              <a:rPr lang="en-PH" sz="2800" b="1" dirty="0" smtClean="0"/>
-              <a:t>Social Sciences</a:t>
-            </a:r>
-            <a:endParaRPr lang="en-PH" sz="2800" b="1" dirty="0"/>
-          </a:p>
-        </p:txBody>
-      </p:sp>
-      <p:sp>
-        <p:nvSpPr>
-          <p:cNvPr id="299" name="TextBox 298"/>
-          <p:cNvSpPr txBox="1"/>
-          <p:nvPr/>
-        </p:nvSpPr>
-        <p:spPr>
-          <a:xfrm rot="16200000">
-            <a:off x="5967962" y="9711855"/>
-            <a:ext cx="3672409" cy="954107"/>
-          </a:xfrm>
-          <a:prstGeom prst="rect">
-            <a:avLst/>
-          </a:prstGeom>
-          <a:noFill/>
-        </p:spPr>
-        <p:txBody>
-          <a:bodyPr wrap="square" rtlCol="0">
-            <a:spAutoFit/>
-          </a:bodyPr>
-          <a:lstStyle/>
-          <a:p>
-            <a:r>
-              <a:rPr lang="en-PH" sz="2800" b="1" dirty="0" smtClean="0"/>
-              <a:t>American Politics/Gov</a:t>
-            </a:r>
-          </a:p>
-          <a:p>
-            <a:endParaRPr lang="en-PH" sz="2800" b="1" dirty="0"/>
-          </a:p>
-        </p:txBody>
-      </p:sp>
-      <p:sp>
-        <p:nvSpPr>
-          <p:cNvPr id="300" name="TextBox 299"/>
-          <p:cNvSpPr txBox="1"/>
-          <p:nvPr/>
-        </p:nvSpPr>
-        <p:spPr>
-          <a:xfrm rot="16200000">
-            <a:off x="6363425" y="9747278"/>
-            <a:ext cx="3888433" cy="523220"/>
-          </a:xfrm>
-          <a:prstGeom prst="rect">
-            <a:avLst/>
-          </a:prstGeom>
-          <a:noFill/>
-        </p:spPr>
-        <p:txBody>
-          <a:bodyPr wrap="square" rtlCol="0">
-            <a:spAutoFit/>
-          </a:bodyPr>
-          <a:lstStyle/>
-          <a:p>
-            <a:r>
-              <a:rPr lang="en-PH" sz="2800" b="1" dirty="0" err="1" smtClean="0"/>
-              <a:t>Labor</a:t>
-            </a:r>
-            <a:r>
-              <a:rPr lang="en-PH" sz="2800" b="1" dirty="0" smtClean="0"/>
-              <a:t> &amp; Economics</a:t>
-            </a:r>
-          </a:p>
-        </p:txBody>
-      </p:sp>
-      <p:sp>
-        <p:nvSpPr>
-          <p:cNvPr id="301" name="TextBox 300"/>
-          <p:cNvSpPr txBox="1"/>
-          <p:nvPr/>
-        </p:nvSpPr>
-        <p:spPr>
-          <a:xfrm rot="16200000">
-            <a:off x="6651457" y="10035310"/>
-            <a:ext cx="3888433" cy="523220"/>
-          </a:xfrm>
-          <a:prstGeom prst="rect">
-            <a:avLst/>
-          </a:prstGeom>
-          <a:noFill/>
-        </p:spPr>
-        <p:txBody>
-          <a:bodyPr wrap="square" rtlCol="0">
-            <a:spAutoFit/>
-          </a:bodyPr>
-          <a:lstStyle/>
-          <a:p>
-            <a:r>
-              <a:rPr lang="en-PH" sz="2800" b="1" dirty="0" err="1" smtClean="0"/>
-              <a:t>Environment&amp;Society</a:t>
-            </a:r>
-            <a:endParaRPr lang="en-PH" sz="2800" b="1" dirty="0" smtClean="0"/>
-          </a:p>
-        </p:txBody>
-      </p:sp>
-      <p:sp>
-        <p:nvSpPr>
-          <p:cNvPr id="302" name="TextBox 301"/>
-          <p:cNvSpPr txBox="1"/>
-          <p:nvPr/>
-        </p:nvSpPr>
-        <p:spPr>
-          <a:xfrm rot="16200000">
-            <a:off x="7983606" y="10143322"/>
-            <a:ext cx="2664297" cy="523220"/>
-          </a:xfrm>
-          <a:prstGeom prst="rect">
-            <a:avLst/>
-          </a:prstGeom>
-          <a:noFill/>
-        </p:spPr>
-        <p:txBody>
-          <a:bodyPr wrap="square" rtlCol="0">
-            <a:spAutoFit/>
-          </a:bodyPr>
-          <a:lstStyle/>
-          <a:p>
-            <a:r>
-              <a:rPr lang="en-PH" sz="2800" b="1" dirty="0" smtClean="0"/>
-              <a:t>Microeconomics</a:t>
-            </a:r>
-            <a:endParaRPr lang="en-PH" sz="2800" b="1" dirty="0"/>
-          </a:p>
-        </p:txBody>
-      </p:sp>
-      <p:sp>
-        <p:nvSpPr>
-          <p:cNvPr id="303" name="TextBox 302"/>
-          <p:cNvSpPr txBox="1"/>
-          <p:nvPr/>
-        </p:nvSpPr>
-        <p:spPr>
-          <a:xfrm rot="16200000">
-            <a:off x="8523666" y="10179327"/>
-            <a:ext cx="2160240" cy="523220"/>
-          </a:xfrm>
-          <a:prstGeom prst="rect">
-            <a:avLst/>
-          </a:prstGeom>
-          <a:noFill/>
-        </p:spPr>
-        <p:txBody>
-          <a:bodyPr wrap="square" rtlCol="0">
-            <a:spAutoFit/>
-          </a:bodyPr>
-          <a:lstStyle/>
-          <a:p>
-            <a:r>
-              <a:rPr lang="en-PH" sz="2800" b="1" dirty="0" smtClean="0"/>
-              <a:t>Political Law</a:t>
-            </a:r>
-            <a:endParaRPr lang="en-PH" sz="2800" b="1" dirty="0"/>
-          </a:p>
-        </p:txBody>
-      </p:sp>
-      <p:sp>
-        <p:nvSpPr>
-          <p:cNvPr id="311" name="TextBox 310"/>
-          <p:cNvSpPr txBox="1"/>
-          <p:nvPr/>
-        </p:nvSpPr>
-        <p:spPr>
-          <a:xfrm rot="16200000">
-            <a:off x="8415654" y="10071314"/>
-            <a:ext cx="3816425" cy="523220"/>
-          </a:xfrm>
-          <a:prstGeom prst="rect">
-            <a:avLst/>
-          </a:prstGeom>
-          <a:noFill/>
-        </p:spPr>
-        <p:txBody>
-          <a:bodyPr wrap="square" rtlCol="0">
-            <a:spAutoFit/>
-          </a:bodyPr>
-          <a:lstStyle/>
-          <a:p>
-            <a:r>
-              <a:rPr lang="en-PH" sz="2800" b="1" dirty="0" err="1" smtClean="0"/>
-              <a:t>Phil.Constitutional</a:t>
-            </a:r>
-            <a:r>
-              <a:rPr lang="en-PH" sz="2800" b="1" dirty="0" smtClean="0"/>
-              <a:t> Law</a:t>
-            </a:r>
-            <a:endParaRPr lang="en-PH" sz="2800" b="1" dirty="0"/>
-          </a:p>
-        </p:txBody>
-      </p:sp>
-      <p:sp>
-        <p:nvSpPr>
-          <p:cNvPr id="312" name="TextBox 311"/>
-          <p:cNvSpPr txBox="1"/>
-          <p:nvPr/>
-        </p:nvSpPr>
-        <p:spPr>
-          <a:xfrm rot="16200000">
-            <a:off x="9550942" y="10179327"/>
-            <a:ext cx="2160240" cy="523220"/>
-          </a:xfrm>
-          <a:prstGeom prst="rect">
-            <a:avLst/>
-          </a:prstGeom>
-          <a:noFill/>
-        </p:spPr>
-        <p:txBody>
-          <a:bodyPr wrap="square" rtlCol="0">
-            <a:spAutoFit/>
-          </a:bodyPr>
-          <a:lstStyle/>
-          <a:p>
-            <a:r>
-              <a:rPr lang="en-PH" sz="2800" b="1" dirty="0" err="1" smtClean="0"/>
-              <a:t>Labor</a:t>
-            </a:r>
-            <a:r>
-              <a:rPr lang="en-PH" sz="2800" b="1" dirty="0" smtClean="0"/>
-              <a:t> Code</a:t>
-            </a:r>
-            <a:endParaRPr lang="en-PH" sz="2800" b="1" dirty="0"/>
-          </a:p>
-        </p:txBody>
-      </p:sp>
-      <p:sp>
-        <p:nvSpPr>
-          <p:cNvPr id="313" name="TextBox 312"/>
-          <p:cNvSpPr txBox="1"/>
-          <p:nvPr/>
-        </p:nvSpPr>
-        <p:spPr>
-          <a:xfrm rot="16200000">
-            <a:off x="9243746" y="10035310"/>
-            <a:ext cx="4176465" cy="523220"/>
-          </a:xfrm>
-          <a:prstGeom prst="rect">
-            <a:avLst/>
-          </a:prstGeom>
-          <a:noFill/>
-        </p:spPr>
-        <p:txBody>
-          <a:bodyPr wrap="square" rtlCol="0">
-            <a:spAutoFit/>
-          </a:bodyPr>
-          <a:lstStyle/>
-          <a:p>
-            <a:r>
-              <a:rPr lang="en-PH" sz="2800" b="1" dirty="0" smtClean="0"/>
-              <a:t>Criminal Law &amp; Civil Code</a:t>
-            </a:r>
-            <a:endParaRPr lang="en-PH" sz="2800" b="1" dirty="0"/>
-          </a:p>
-        </p:txBody>
-      </p:sp>
-      <p:sp>
-        <p:nvSpPr>
-          <p:cNvPr id="314" name="TextBox 313"/>
-          <p:cNvSpPr txBox="1"/>
-          <p:nvPr/>
-        </p:nvSpPr>
-        <p:spPr>
-          <a:xfrm rot="16200000">
-            <a:off x="10539890" y="9603264"/>
-            <a:ext cx="2160240" cy="523220"/>
-          </a:xfrm>
-          <a:prstGeom prst="rect">
-            <a:avLst/>
-          </a:prstGeom>
-          <a:noFill/>
-        </p:spPr>
-        <p:txBody>
-          <a:bodyPr wrap="square" rtlCol="0">
-            <a:spAutoFit/>
-          </a:bodyPr>
-          <a:lstStyle/>
-          <a:p>
-            <a:r>
-              <a:rPr lang="en-PH" sz="2800" b="1" dirty="0" smtClean="0"/>
-              <a:t>Law</a:t>
-            </a:r>
-            <a:endParaRPr lang="en-PH" sz="2800" b="1" dirty="0"/>
-          </a:p>
-        </p:txBody>
-      </p:sp>
-      <p:sp>
-        <p:nvSpPr>
-          <p:cNvPr id="315" name="TextBox 314"/>
-          <p:cNvSpPr txBox="1"/>
-          <p:nvPr/>
-        </p:nvSpPr>
-        <p:spPr>
-          <a:xfrm rot="16200000">
-            <a:off x="11187962" y="9603263"/>
-            <a:ext cx="2160240" cy="523220"/>
-          </a:xfrm>
-          <a:prstGeom prst="rect">
-            <a:avLst/>
-          </a:prstGeom>
-          <a:noFill/>
-        </p:spPr>
-        <p:txBody>
-          <a:bodyPr wrap="square" rtlCol="0">
-            <a:spAutoFit/>
-          </a:bodyPr>
-          <a:lstStyle/>
-          <a:p>
-            <a:r>
-              <a:rPr lang="en-PH" sz="2800" b="1" dirty="0" smtClean="0"/>
-              <a:t>Law</a:t>
-            </a:r>
-          </a:p>
-        </p:txBody>
-      </p:sp>
-      <p:sp>
-        <p:nvSpPr>
-          <p:cNvPr id="515" name="TextBox 514"/>
-          <p:cNvSpPr txBox="1"/>
-          <p:nvPr/>
-        </p:nvSpPr>
-        <p:spPr>
-          <a:xfrm rot="16200000">
-            <a:off x="11007942" y="9999309"/>
-            <a:ext cx="3096346" cy="523220"/>
-          </a:xfrm>
-          <a:prstGeom prst="rect">
-            <a:avLst/>
-          </a:prstGeom>
-          <a:noFill/>
-        </p:spPr>
-        <p:txBody>
-          <a:bodyPr wrap="square" rtlCol="0">
-            <a:spAutoFit/>
-          </a:bodyPr>
-          <a:lstStyle/>
-          <a:p>
-            <a:r>
-              <a:rPr lang="en-PH" sz="2800" b="1" dirty="0" err="1" smtClean="0"/>
-              <a:t>Philipine</a:t>
-            </a:r>
-            <a:r>
-              <a:rPr lang="en-PH" sz="2800" b="1" dirty="0" smtClean="0"/>
-              <a:t> Reports</a:t>
-            </a:r>
-          </a:p>
-        </p:txBody>
-      </p:sp>
-      <p:sp>
-        <p:nvSpPr>
-          <p:cNvPr id="516" name="TextBox 515"/>
-          <p:cNvSpPr txBox="1"/>
-          <p:nvPr/>
-        </p:nvSpPr>
-        <p:spPr>
-          <a:xfrm rot="16200000">
-            <a:off x="11295973" y="9855293"/>
-            <a:ext cx="4248474" cy="523220"/>
-          </a:xfrm>
-          <a:prstGeom prst="rect">
-            <a:avLst/>
-          </a:prstGeom>
-          <a:noFill/>
-        </p:spPr>
-        <p:txBody>
-          <a:bodyPr wrap="square" rtlCol="0">
-            <a:spAutoFit/>
-          </a:bodyPr>
-          <a:lstStyle/>
-          <a:p>
-            <a:r>
-              <a:rPr lang="en-PH" sz="2800" b="1" dirty="0" smtClean="0"/>
-              <a:t>Supreme Court Reports</a:t>
-            </a:r>
-          </a:p>
-        </p:txBody>
-      </p:sp>
-      <p:sp>
-        <p:nvSpPr>
-          <p:cNvPr id="518" name="TextBox 517"/>
-          <p:cNvSpPr txBox="1"/>
-          <p:nvPr/>
-        </p:nvSpPr>
-        <p:spPr>
-          <a:xfrm rot="16200000">
-            <a:off x="12700710" y="9603843"/>
-            <a:ext cx="4032449" cy="954107"/>
-          </a:xfrm>
-          <a:prstGeom prst="rect">
-            <a:avLst/>
-          </a:prstGeom>
-          <a:noFill/>
-        </p:spPr>
-        <p:txBody>
-          <a:bodyPr wrap="square" rtlCol="0">
-            <a:spAutoFit/>
-          </a:bodyPr>
-          <a:lstStyle/>
-          <a:p>
-            <a:r>
-              <a:rPr lang="en-PH" sz="2800" b="1" dirty="0" smtClean="0"/>
-              <a:t>Supreme Court Reports</a:t>
-            </a:r>
-          </a:p>
-          <a:p>
-            <a:endParaRPr lang="en-PH" sz="2800" b="1" dirty="0" smtClean="0"/>
-          </a:p>
-        </p:txBody>
-      </p:sp>
-      <p:sp>
-        <p:nvSpPr>
-          <p:cNvPr id="522" name="TextBox 521"/>
-          <p:cNvSpPr txBox="1"/>
-          <p:nvPr/>
-        </p:nvSpPr>
-        <p:spPr>
-          <a:xfrm rot="16200000">
-            <a:off x="13852257" y="9819286"/>
-            <a:ext cx="3168354" cy="523220"/>
-          </a:xfrm>
-          <a:prstGeom prst="rect">
-            <a:avLst/>
-          </a:prstGeom>
-          <a:noFill/>
-        </p:spPr>
-        <p:txBody>
-          <a:bodyPr wrap="square" rtlCol="0">
-            <a:spAutoFit/>
-          </a:bodyPr>
-          <a:lstStyle/>
-          <a:p>
-            <a:r>
-              <a:rPr lang="en-PH" sz="2800" b="1" dirty="0" smtClean="0"/>
-              <a:t>Official Gazette</a:t>
-            </a:r>
-            <a:endParaRPr lang="en-PH" sz="2800" b="1" dirty="0"/>
-          </a:p>
-        </p:txBody>
-      </p:sp>
-      <p:sp>
-        <p:nvSpPr>
-          <p:cNvPr id="523" name="TextBox 522"/>
-          <p:cNvSpPr txBox="1"/>
-          <p:nvPr/>
-        </p:nvSpPr>
-        <p:spPr>
-          <a:xfrm rot="16200000">
-            <a:off x="26237634" y="3266559"/>
-            <a:ext cx="2592288" cy="523220"/>
-          </a:xfrm>
-          <a:prstGeom prst="rect">
-            <a:avLst/>
-          </a:prstGeom>
-          <a:noFill/>
-        </p:spPr>
-        <p:txBody>
-          <a:bodyPr wrap="square" rtlCol="0">
-            <a:spAutoFit/>
-          </a:bodyPr>
-          <a:lstStyle/>
-          <a:p>
-            <a:r>
-              <a:rPr lang="en-PH" sz="2800" b="1" dirty="0" smtClean="0"/>
-              <a:t>Social Science,</a:t>
-            </a:r>
-            <a:endParaRPr lang="en-PH" sz="2800" b="1" dirty="0"/>
-          </a:p>
-        </p:txBody>
-      </p:sp>
-      <p:sp>
-        <p:nvSpPr>
-          <p:cNvPr id="524" name="TextBox 523"/>
-          <p:cNvSpPr txBox="1"/>
-          <p:nvPr/>
-        </p:nvSpPr>
-        <p:spPr>
-          <a:xfrm rot="16200000">
-            <a:off x="14591502" y="9891295"/>
-            <a:ext cx="2160240" cy="523220"/>
-          </a:xfrm>
-          <a:prstGeom prst="rect">
-            <a:avLst/>
-          </a:prstGeom>
-          <a:noFill/>
-        </p:spPr>
-        <p:txBody>
-          <a:bodyPr wrap="square" rtlCol="0">
-            <a:spAutoFit/>
-          </a:bodyPr>
-          <a:lstStyle/>
-          <a:p>
-            <a:r>
-              <a:rPr lang="en-PH" sz="2800" b="1" dirty="0" smtClean="0"/>
-              <a:t>Law</a:t>
-            </a:r>
-            <a:endParaRPr lang="en-PH" sz="2800" b="1" dirty="0"/>
-          </a:p>
-        </p:txBody>
-      </p:sp>
-      <p:sp>
-        <p:nvSpPr>
-          <p:cNvPr id="525" name="TextBox 524"/>
-          <p:cNvSpPr txBox="1"/>
-          <p:nvPr/>
-        </p:nvSpPr>
-        <p:spPr>
-          <a:xfrm rot="16200000">
-            <a:off x="26819151" y="1039764"/>
-            <a:ext cx="1408348" cy="400110"/>
-          </a:xfrm>
-          <a:prstGeom prst="rect">
-            <a:avLst/>
-          </a:prstGeom>
-          <a:noFill/>
-        </p:spPr>
-        <p:txBody>
-          <a:bodyPr wrap="square" rtlCol="0">
-            <a:spAutoFit/>
-          </a:bodyPr>
-          <a:lstStyle/>
-          <a:p>
-            <a:r>
-              <a:rPr lang="en-PH" sz="2000" b="1" dirty="0" smtClean="0"/>
-              <a:t>(362-550)</a:t>
-            </a:r>
-            <a:endParaRPr lang="en-PH" sz="2000" b="1" dirty="0"/>
-          </a:p>
-        </p:txBody>
-      </p:sp>
-      <p:sp>
-        <p:nvSpPr>
-          <p:cNvPr id="527" name="TextBox 526"/>
-          <p:cNvSpPr txBox="1"/>
-          <p:nvPr/>
-        </p:nvSpPr>
-        <p:spPr>
-          <a:xfrm rot="16200000">
-            <a:off x="27147253" y="1079960"/>
-            <a:ext cx="1408348" cy="400110"/>
-          </a:xfrm>
-          <a:prstGeom prst="rect">
-            <a:avLst/>
-          </a:prstGeom>
-          <a:noFill/>
-        </p:spPr>
-        <p:txBody>
-          <a:bodyPr wrap="square" rtlCol="0">
-            <a:spAutoFit/>
-          </a:bodyPr>
-          <a:lstStyle/>
-          <a:p>
-            <a:r>
-              <a:rPr lang="en-PH" sz="2000" b="1" dirty="0" smtClean="0"/>
-              <a:t>(410-510)</a:t>
-            </a:r>
-            <a:endParaRPr lang="en-PH" sz="2000" b="1" dirty="0"/>
-          </a:p>
-        </p:txBody>
-      </p:sp>
-      <p:sp>
-        <p:nvSpPr>
-          <p:cNvPr id="530" name="TextBox 529"/>
-          <p:cNvSpPr txBox="1"/>
-          <p:nvPr/>
-        </p:nvSpPr>
-        <p:spPr>
-          <a:xfrm rot="16200000">
-            <a:off x="26165626" y="3122543"/>
-            <a:ext cx="3312369" cy="523220"/>
-          </a:xfrm>
-          <a:prstGeom prst="rect">
-            <a:avLst/>
-          </a:prstGeom>
-          <a:noFill/>
-        </p:spPr>
-        <p:txBody>
-          <a:bodyPr wrap="square" rtlCol="0">
-            <a:spAutoFit/>
-          </a:bodyPr>
-          <a:lstStyle/>
-          <a:p>
-            <a:r>
-              <a:rPr lang="en-PH" sz="2800" b="1" dirty="0" err="1" smtClean="0"/>
-              <a:t>Educ</a:t>
-            </a:r>
-            <a:r>
-              <a:rPr lang="en-PH" sz="2800" b="1" dirty="0" smtClean="0"/>
-              <a:t>, Engineering</a:t>
-            </a:r>
-            <a:endParaRPr lang="en-PH" sz="2800" b="1" dirty="0"/>
-          </a:p>
-        </p:txBody>
-      </p:sp>
-      <p:sp>
-        <p:nvSpPr>
-          <p:cNvPr id="531" name="TextBox 530"/>
-          <p:cNvSpPr txBox="1"/>
-          <p:nvPr/>
-        </p:nvSpPr>
-        <p:spPr>
-          <a:xfrm rot="16200000">
-            <a:off x="26432399" y="3482810"/>
-            <a:ext cx="1768388" cy="338554"/>
-          </a:xfrm>
-          <a:prstGeom prst="rect">
-            <a:avLst/>
-          </a:prstGeom>
-          <a:noFill/>
-        </p:spPr>
-        <p:txBody>
-          <a:bodyPr wrap="square" rtlCol="0">
-            <a:spAutoFit/>
-          </a:bodyPr>
-          <a:lstStyle/>
-          <a:p>
-            <a:r>
-              <a:rPr lang="en-PH" sz="1600" b="1" dirty="0" smtClean="0"/>
-              <a:t>Review Material</a:t>
-            </a:r>
-            <a:endParaRPr lang="en-PH" sz="1600" b="1" dirty="0"/>
-          </a:p>
-        </p:txBody>
-      </p:sp>
-      <p:sp>
-        <p:nvSpPr>
-          <p:cNvPr id="532" name="TextBox 531"/>
-          <p:cNvSpPr txBox="1"/>
-          <p:nvPr/>
-        </p:nvSpPr>
-        <p:spPr>
-          <a:xfrm>
-            <a:off x="27035112" y="503833"/>
-            <a:ext cx="1264332" cy="276999"/>
-          </a:xfrm>
-          <a:prstGeom prst="rect">
-            <a:avLst/>
-          </a:prstGeom>
-          <a:noFill/>
-        </p:spPr>
-        <p:txBody>
-          <a:bodyPr wrap="square" rtlCol="0">
-            <a:spAutoFit/>
-          </a:bodyPr>
-          <a:lstStyle/>
-          <a:p>
-            <a:r>
-              <a:rPr lang="en-PH" sz="1200" b="1" dirty="0" smtClean="0"/>
-              <a:t>New Acquisition</a:t>
-            </a:r>
-            <a:endParaRPr lang="en-PH" sz="1200" b="1" dirty="0"/>
-          </a:p>
-        </p:txBody>
-      </p:sp>
-      <p:sp>
-        <p:nvSpPr>
-          <p:cNvPr id="533" name="TextBox 532"/>
-          <p:cNvSpPr txBox="1"/>
-          <p:nvPr/>
-        </p:nvSpPr>
-        <p:spPr>
-          <a:xfrm rot="16200000">
-            <a:off x="27246326" y="2763085"/>
-            <a:ext cx="3312369" cy="954107"/>
-          </a:xfrm>
-          <a:prstGeom prst="rect">
-            <a:avLst/>
-          </a:prstGeom>
-          <a:noFill/>
-        </p:spPr>
-        <p:txBody>
-          <a:bodyPr wrap="square" rtlCol="0">
-            <a:spAutoFit/>
-          </a:bodyPr>
-          <a:lstStyle/>
-          <a:p>
-            <a:r>
-              <a:rPr lang="en-PH" sz="2800" b="1" dirty="0" smtClean="0"/>
-              <a:t>Subject Reference</a:t>
-            </a:r>
-          </a:p>
-          <a:p>
-            <a:endParaRPr lang="en-PH" sz="2800" b="1" dirty="0"/>
-          </a:p>
-        </p:txBody>
-      </p:sp>
-      <p:sp>
-        <p:nvSpPr>
-          <p:cNvPr id="534" name="TextBox 533"/>
-          <p:cNvSpPr txBox="1"/>
-          <p:nvPr/>
-        </p:nvSpPr>
-        <p:spPr>
-          <a:xfrm rot="16200000">
-            <a:off x="28187303" y="1111772"/>
-            <a:ext cx="1408348" cy="400110"/>
-          </a:xfrm>
-          <a:prstGeom prst="rect">
-            <a:avLst/>
-          </a:prstGeom>
-          <a:noFill/>
-        </p:spPr>
-        <p:txBody>
-          <a:bodyPr wrap="square" rtlCol="0">
-            <a:spAutoFit/>
-          </a:bodyPr>
-          <a:lstStyle/>
-          <a:p>
-            <a:r>
-              <a:rPr lang="en-PH" sz="2000" b="1" dirty="0" smtClean="0"/>
-              <a:t>(540-400)</a:t>
-            </a:r>
-            <a:endParaRPr lang="en-PH" sz="2000" b="1" dirty="0"/>
-          </a:p>
-        </p:txBody>
-      </p:sp>
-      <p:sp>
-        <p:nvSpPr>
-          <p:cNvPr id="535" name="TextBox 534"/>
-          <p:cNvSpPr txBox="1"/>
-          <p:nvPr/>
-        </p:nvSpPr>
-        <p:spPr>
-          <a:xfrm rot="16200000">
-            <a:off x="27867333" y="1111772"/>
-            <a:ext cx="1408348" cy="400110"/>
-          </a:xfrm>
-          <a:prstGeom prst="rect">
-            <a:avLst/>
-          </a:prstGeom>
-          <a:noFill/>
-        </p:spPr>
-        <p:txBody>
-          <a:bodyPr wrap="square" rtlCol="0">
-            <a:spAutoFit/>
-          </a:bodyPr>
-          <a:lstStyle/>
-          <a:p>
-            <a:r>
-              <a:rPr lang="en-PH" sz="2000" b="1" dirty="0" smtClean="0"/>
-              <a:t>(500-530)</a:t>
-            </a:r>
-            <a:endParaRPr lang="en-PH" sz="2000" b="1" dirty="0"/>
-          </a:p>
-        </p:txBody>
-      </p:sp>
-      <p:sp>
-        <p:nvSpPr>
-          <p:cNvPr id="536" name="TextBox 535"/>
-          <p:cNvSpPr txBox="1"/>
-          <p:nvPr/>
-        </p:nvSpPr>
-        <p:spPr>
-          <a:xfrm rot="16200000">
-            <a:off x="28272441" y="2187020"/>
-            <a:ext cx="3312369" cy="954107"/>
-          </a:xfrm>
-          <a:prstGeom prst="rect">
-            <a:avLst/>
-          </a:prstGeom>
-          <a:noFill/>
-        </p:spPr>
-        <p:txBody>
-          <a:bodyPr wrap="square" rtlCol="0">
-            <a:spAutoFit/>
-          </a:bodyPr>
-          <a:lstStyle/>
-          <a:p>
-            <a:r>
-              <a:rPr lang="en-PH" sz="2800" b="1" dirty="0" smtClean="0"/>
-              <a:t>Language</a:t>
-            </a:r>
-          </a:p>
-          <a:p>
-            <a:endParaRPr lang="en-PH" sz="2800" b="1" dirty="0"/>
-          </a:p>
-        </p:txBody>
-      </p:sp>
-      <p:sp>
-        <p:nvSpPr>
-          <p:cNvPr id="539" name="TextBox 538"/>
-          <p:cNvSpPr txBox="1"/>
-          <p:nvPr/>
-        </p:nvSpPr>
-        <p:spPr>
-          <a:xfrm rot="16200000">
-            <a:off x="29123406" y="1111772"/>
-            <a:ext cx="1408348" cy="400110"/>
-          </a:xfrm>
-          <a:prstGeom prst="rect">
-            <a:avLst/>
-          </a:prstGeom>
-          <a:noFill/>
-        </p:spPr>
-        <p:txBody>
-          <a:bodyPr wrap="square" rtlCol="0">
-            <a:spAutoFit/>
-          </a:bodyPr>
-          <a:lstStyle/>
-          <a:p>
-            <a:r>
-              <a:rPr lang="en-PH" sz="2000" b="1" dirty="0" smtClean="0"/>
-              <a:t>(428-501)</a:t>
-            </a:r>
-            <a:endParaRPr lang="en-PH" sz="2000" b="1" dirty="0"/>
-          </a:p>
-        </p:txBody>
-      </p:sp>
-      <p:sp>
-        <p:nvSpPr>
-          <p:cNvPr id="540" name="TextBox 539"/>
-          <p:cNvSpPr txBox="1"/>
-          <p:nvPr/>
-        </p:nvSpPr>
-        <p:spPr>
-          <a:xfrm rot="16200000">
-            <a:off x="28835375" y="1111772"/>
-            <a:ext cx="1408348" cy="400110"/>
-          </a:xfrm>
-          <a:prstGeom prst="rect">
-            <a:avLst/>
-          </a:prstGeom>
-          <a:noFill/>
-        </p:spPr>
-        <p:txBody>
-          <a:bodyPr wrap="square" rtlCol="0">
-            <a:spAutoFit/>
-          </a:bodyPr>
-          <a:lstStyle/>
-          <a:p>
-            <a:r>
-              <a:rPr lang="en-PH" sz="2000" b="1" dirty="0" smtClean="0"/>
-              <a:t>(410-428)</a:t>
-            </a:r>
-            <a:endParaRPr lang="en-PH" sz="2000" b="1" dirty="0"/>
           </a:p>
         </p:txBody>
       </p:sp>
